--- a/Apresentação_Mexeriqueiro.pptx
+++ b/Apresentação_Mexeriqueiro.pptx
@@ -131,7 +131,7 @@
   </p:defaultTextStyle>
   <p:extLst>
     <p:ext uri="{EFAFB233-063F-42B5-8137-9DF3F51BA10A}">
-      <p15:sldGuideLst xmlns="" xmlns:p15="http://schemas.microsoft.com/office/powerpoint/2012/main"/>
+      <p15:sldGuideLst xmlns:p15="http://schemas.microsoft.com/office/powerpoint/2012/main" xmlns=""/>
     </p:ext>
   </p:extLst>
 </p:presentation>
@@ -219,6 +219,7 @@
           <a:p>
             <a:fld id="{006E76E4-BD21-4EEA-8E84-31FD3B1D7328}" type="datetimeFigureOut">
               <a:rPr lang="pt-BR" smtClean="0"/>
+              <a:pPr/>
               <a:t>14/06/2017</a:t>
             </a:fld>
             <a:endParaRPr lang="pt-BR"/>
@@ -285,6 +286,7 @@
           <a:p>
             <a:fld id="{F556B0F6-A24B-4AE9-A6AA-512CE2CD279B}" type="slidenum">
               <a:rPr lang="pt-BR" smtClean="0"/>
+              <a:pPr/>
               <a:t>‹nº›</a:t>
             </a:fld>
             <a:endParaRPr lang="pt-BR"/>
@@ -294,7 +296,7 @@
     </p:spTree>
     <p:extLst>
       <p:ext uri="{BB962C8B-B14F-4D97-AF65-F5344CB8AC3E}">
-        <p14:creationId xmlns:p14="http://schemas.microsoft.com/office/powerpoint/2010/main" val="1641494743"/>
+        <p14:creationId xmlns:p14="http://schemas.microsoft.com/office/powerpoint/2010/main" xmlns="" val="1641494743"/>
       </p:ext>
     </p:extLst>
   </p:cSld>
@@ -553,7 +555,7 @@
     </p:spTree>
     <p:extLst>
       <p:ext uri="{BB962C8B-B14F-4D97-AF65-F5344CB8AC3E}">
-        <p14:creationId xmlns:p14="http://schemas.microsoft.com/office/powerpoint/2010/main" val="3857355468"/>
+        <p14:creationId xmlns:p14="http://schemas.microsoft.com/office/powerpoint/2010/main" xmlns="" val="3857355468"/>
       </p:ext>
     </p:extLst>
   </p:cSld>
@@ -835,7 +837,7 @@
     </p:spTree>
     <p:extLst>
       <p:ext uri="{BB962C8B-B14F-4D97-AF65-F5344CB8AC3E}">
-        <p14:creationId xmlns:p14="http://schemas.microsoft.com/office/powerpoint/2010/main" val="4189874931"/>
+        <p14:creationId xmlns:p14="http://schemas.microsoft.com/office/powerpoint/2010/main" xmlns="" val="4189874931"/>
       </p:ext>
     </p:extLst>
   </p:cSld>
@@ -1005,7 +1007,7 @@
     </p:spTree>
     <p:extLst>
       <p:ext uri="{BB962C8B-B14F-4D97-AF65-F5344CB8AC3E}">
-        <p14:creationId xmlns:p14="http://schemas.microsoft.com/office/powerpoint/2010/main" val="1014895448"/>
+        <p14:creationId xmlns:p14="http://schemas.microsoft.com/office/powerpoint/2010/main" xmlns="" val="1014895448"/>
       </p:ext>
     </p:extLst>
   </p:cSld>
@@ -1185,7 +1187,7 @@
     </p:spTree>
     <p:extLst>
       <p:ext uri="{BB962C8B-B14F-4D97-AF65-F5344CB8AC3E}">
-        <p14:creationId xmlns:p14="http://schemas.microsoft.com/office/powerpoint/2010/main" val="3675122322"/>
+        <p14:creationId xmlns:p14="http://schemas.microsoft.com/office/powerpoint/2010/main" xmlns="" val="3675122322"/>
       </p:ext>
     </p:extLst>
   </p:cSld>
@@ -1355,7 +1357,7 @@
     </p:spTree>
     <p:extLst>
       <p:ext uri="{BB962C8B-B14F-4D97-AF65-F5344CB8AC3E}">
-        <p14:creationId xmlns:p14="http://schemas.microsoft.com/office/powerpoint/2010/main" val="4059690728"/>
+        <p14:creationId xmlns:p14="http://schemas.microsoft.com/office/powerpoint/2010/main" xmlns="" val="4059690728"/>
       </p:ext>
     </p:extLst>
   </p:cSld>
@@ -1602,7 +1604,7 @@
     </p:spTree>
     <p:extLst>
       <p:ext uri="{BB962C8B-B14F-4D97-AF65-F5344CB8AC3E}">
-        <p14:creationId xmlns:p14="http://schemas.microsoft.com/office/powerpoint/2010/main" val="3451564428"/>
+        <p14:creationId xmlns:p14="http://schemas.microsoft.com/office/powerpoint/2010/main" xmlns="" val="3451564428"/>
       </p:ext>
     </p:extLst>
   </p:cSld>
@@ -1833,7 +1835,7 @@
     </p:spTree>
     <p:extLst>
       <p:ext uri="{BB962C8B-B14F-4D97-AF65-F5344CB8AC3E}">
-        <p14:creationId xmlns:p14="http://schemas.microsoft.com/office/powerpoint/2010/main" val="626539943"/>
+        <p14:creationId xmlns:p14="http://schemas.microsoft.com/office/powerpoint/2010/main" xmlns="" val="626539943"/>
       </p:ext>
     </p:extLst>
   </p:cSld>
@@ -2199,7 +2201,7 @@
     </p:spTree>
     <p:extLst>
       <p:ext uri="{BB962C8B-B14F-4D97-AF65-F5344CB8AC3E}">
-        <p14:creationId xmlns:p14="http://schemas.microsoft.com/office/powerpoint/2010/main" val="228997659"/>
+        <p14:creationId xmlns:p14="http://schemas.microsoft.com/office/powerpoint/2010/main" xmlns="" val="228997659"/>
       </p:ext>
     </p:extLst>
   </p:cSld>
@@ -2318,7 +2320,7 @@
     </p:spTree>
     <p:extLst>
       <p:ext uri="{BB962C8B-B14F-4D97-AF65-F5344CB8AC3E}">
-        <p14:creationId xmlns:p14="http://schemas.microsoft.com/office/powerpoint/2010/main" val="1695762179"/>
+        <p14:creationId xmlns:p14="http://schemas.microsoft.com/office/powerpoint/2010/main" xmlns="" val="1695762179"/>
       </p:ext>
     </p:extLst>
   </p:cSld>
@@ -2415,7 +2417,7 @@
     </p:spTree>
     <p:extLst>
       <p:ext uri="{BB962C8B-B14F-4D97-AF65-F5344CB8AC3E}">
-        <p14:creationId xmlns:p14="http://schemas.microsoft.com/office/powerpoint/2010/main" val="3724278311"/>
+        <p14:creationId xmlns:p14="http://schemas.microsoft.com/office/powerpoint/2010/main" xmlns="" val="3724278311"/>
       </p:ext>
     </p:extLst>
   </p:cSld>
@@ -2692,7 +2694,7 @@
     </p:spTree>
     <p:extLst>
       <p:ext uri="{BB962C8B-B14F-4D97-AF65-F5344CB8AC3E}">
-        <p14:creationId xmlns:p14="http://schemas.microsoft.com/office/powerpoint/2010/main" val="1105928982"/>
+        <p14:creationId xmlns:p14="http://schemas.microsoft.com/office/powerpoint/2010/main" xmlns="" val="1105928982"/>
       </p:ext>
     </p:extLst>
   </p:cSld>
@@ -2946,7 +2948,7 @@
     </p:spTree>
     <p:extLst>
       <p:ext uri="{BB962C8B-B14F-4D97-AF65-F5344CB8AC3E}">
-        <p14:creationId xmlns:p14="http://schemas.microsoft.com/office/powerpoint/2010/main" val="312099078"/>
+        <p14:creationId xmlns:p14="http://schemas.microsoft.com/office/powerpoint/2010/main" xmlns="" val="312099078"/>
       </p:ext>
     </p:extLst>
   </p:cSld>
@@ -3198,7 +3200,7 @@
     </p:spTree>
     <p:extLst>
       <p:ext uri="{BB962C8B-B14F-4D97-AF65-F5344CB8AC3E}">
-        <p14:creationId xmlns:p14="http://schemas.microsoft.com/office/powerpoint/2010/main" val="2273854213"/>
+        <p14:creationId xmlns:p14="http://schemas.microsoft.com/office/powerpoint/2010/main" xmlns="" val="2273854213"/>
       </p:ext>
     </p:extLst>
   </p:cSld>
@@ -3800,10 +3802,10 @@
           <p:nvPr/>
         </p:nvPicPr>
         <p:blipFill>
-          <a:blip r:embed="rId2">
+          <a:blip r:embed="rId2" cstate="print">
             <a:extLst>
               <a:ext uri="{28A0092B-C50C-407E-A947-70E740481C1C}">
-                <a14:useLocalDpi xmlns:a14="http://schemas.microsoft.com/office/drawing/2010/main" val="0"/>
+                <a14:useLocalDpi xmlns:a14="http://schemas.microsoft.com/office/drawing/2010/main" xmlns="" val="0"/>
               </a:ext>
             </a:extLst>
           </a:blip>
@@ -3828,7 +3830,7 @@
           </a:ln>
           <a:extLst>
             <a:ext uri="{91240B29-F687-4F45-9708-019B960494DF}">
-              <a14:hiddenLine xmlns:a14="http://schemas.microsoft.com/office/drawing/2010/main" w="9525">
+              <a14:hiddenLine xmlns:a14="http://schemas.microsoft.com/office/drawing/2010/main" xmlns="" w="9525">
                 <a:solidFill>
                   <a:srgbClr val="000000"/>
                 </a:solidFill>
@@ -3843,7 +3845,7 @@
     </p:spTree>
     <p:extLst>
       <p:ext uri="{BB962C8B-B14F-4D97-AF65-F5344CB8AC3E}">
-        <p14:creationId xmlns:p14="http://schemas.microsoft.com/office/powerpoint/2010/main" val="1295386834"/>
+        <p14:creationId xmlns:p14="http://schemas.microsoft.com/office/powerpoint/2010/main" xmlns="" val="1295386834"/>
       </p:ext>
     </p:extLst>
   </p:cSld>
@@ -3925,10 +3927,10 @@
           </p:nvPr>
         </p:nvPicPr>
         <p:blipFill>
-          <a:blip r:embed="rId2">
+          <a:blip r:embed="rId2" cstate="print">
             <a:extLst>
               <a:ext uri="{28A0092B-C50C-407E-A947-70E740481C1C}">
-                <a14:useLocalDpi xmlns:a14="http://schemas.microsoft.com/office/drawing/2010/main" val="0"/>
+                <a14:useLocalDpi xmlns:a14="http://schemas.microsoft.com/office/drawing/2010/main" xmlns="" val="0"/>
               </a:ext>
             </a:extLst>
           </a:blip>
@@ -3946,7 +3948,7 @@
     </p:spTree>
     <p:extLst>
       <p:ext uri="{BB962C8B-B14F-4D97-AF65-F5344CB8AC3E}">
-        <p14:creationId xmlns:p14="http://schemas.microsoft.com/office/powerpoint/2010/main" val="741273905"/>
+        <p14:creationId xmlns:p14="http://schemas.microsoft.com/office/powerpoint/2010/main" xmlns="" val="741273905"/>
       </p:ext>
     </p:extLst>
   </p:cSld>
@@ -4131,7 +4133,7 @@
     </p:spTree>
     <p:extLst>
       <p:ext uri="{BB962C8B-B14F-4D97-AF65-F5344CB8AC3E}">
-        <p14:creationId xmlns:p14="http://schemas.microsoft.com/office/powerpoint/2010/main" val="4214433111"/>
+        <p14:creationId xmlns:p14="http://schemas.microsoft.com/office/powerpoint/2010/main" xmlns="" val="4214433111"/>
       </p:ext>
     </p:extLst>
   </p:cSld>
@@ -4212,10 +4214,10 @@
           <p:nvPr/>
         </p:nvPicPr>
         <p:blipFill>
-          <a:blip r:embed="rId2">
+          <a:blip r:embed="rId2" cstate="print">
             <a:extLst>
               <a:ext uri="{28A0092B-C50C-407E-A947-70E740481C1C}">
-                <a14:useLocalDpi xmlns:a14="http://schemas.microsoft.com/office/drawing/2010/main" val="0"/>
+                <a14:useLocalDpi xmlns:a14="http://schemas.microsoft.com/office/drawing/2010/main" xmlns="" val="0"/>
               </a:ext>
             </a:extLst>
           </a:blip>
@@ -4236,7 +4238,7 @@
     </p:spTree>
     <p:extLst>
       <p:ext uri="{BB962C8B-B14F-4D97-AF65-F5344CB8AC3E}">
-        <p14:creationId xmlns:p14="http://schemas.microsoft.com/office/powerpoint/2010/main" val="1545668897"/>
+        <p14:creationId xmlns:p14="http://schemas.microsoft.com/office/powerpoint/2010/main" xmlns="" val="1545668897"/>
       </p:ext>
     </p:extLst>
   </p:cSld>
@@ -4316,10 +4318,10 @@
           <p:nvPr/>
         </p:nvPicPr>
         <p:blipFill>
-          <a:blip r:embed="rId2">
+          <a:blip r:embed="rId2" cstate="print">
             <a:extLst>
               <a:ext uri="{28A0092B-C50C-407E-A947-70E740481C1C}">
-                <a14:useLocalDpi xmlns:a14="http://schemas.microsoft.com/office/drawing/2010/main" val="0"/>
+                <a14:useLocalDpi xmlns:a14="http://schemas.microsoft.com/office/drawing/2010/main" xmlns="" val="0"/>
               </a:ext>
             </a:extLst>
           </a:blip>
@@ -4342,14 +4344,14 @@
           </a:ln>
           <a:extLst>
             <a:ext uri="{909E8E84-426E-40DD-AFC4-6F175D3DCCD1}">
-              <a14:hiddenFill xmlns:a14="http://schemas.microsoft.com/office/drawing/2010/main">
+              <a14:hiddenFill xmlns:a14="http://schemas.microsoft.com/office/drawing/2010/main" xmlns="">
                 <a:solidFill>
                   <a:srgbClr val="FFFFFF"/>
                 </a:solidFill>
               </a14:hiddenFill>
             </a:ext>
             <a:ext uri="{91240B29-F687-4F45-9708-019B960494DF}">
-              <a14:hiddenLine xmlns:a14="http://schemas.microsoft.com/office/drawing/2010/main" w="9525">
+              <a14:hiddenLine xmlns:a14="http://schemas.microsoft.com/office/drawing/2010/main" xmlns="" w="9525">
                 <a:solidFill>
                   <a:srgbClr val="000000"/>
                 </a:solidFill>
@@ -4364,7 +4366,7 @@
     </p:spTree>
     <p:extLst>
       <p:ext uri="{BB962C8B-B14F-4D97-AF65-F5344CB8AC3E}">
-        <p14:creationId xmlns:p14="http://schemas.microsoft.com/office/powerpoint/2010/main" val="170701842"/>
+        <p14:creationId xmlns:p14="http://schemas.microsoft.com/office/powerpoint/2010/main" xmlns="" val="170701842"/>
       </p:ext>
     </p:extLst>
   </p:cSld>
@@ -4449,10 +4451,10 @@
           <p:nvPr/>
         </p:nvPicPr>
         <p:blipFill>
-          <a:blip r:embed="rId2">
+          <a:blip r:embed="rId2" cstate="print">
             <a:extLst>
               <a:ext uri="{28A0092B-C50C-407E-A947-70E740481C1C}">
-                <a14:useLocalDpi xmlns:a14="http://schemas.microsoft.com/office/drawing/2010/main" val="0"/>
+                <a14:useLocalDpi xmlns:a14="http://schemas.microsoft.com/office/drawing/2010/main" xmlns="" val="0"/>
               </a:ext>
             </a:extLst>
           </a:blip>
@@ -4475,14 +4477,14 @@
           </a:ln>
           <a:extLst>
             <a:ext uri="{909E8E84-426E-40DD-AFC4-6F175D3DCCD1}">
-              <a14:hiddenFill xmlns:a14="http://schemas.microsoft.com/office/drawing/2010/main">
+              <a14:hiddenFill xmlns:a14="http://schemas.microsoft.com/office/drawing/2010/main" xmlns="">
                 <a:solidFill>
                   <a:srgbClr val="FFFFFF"/>
                 </a:solidFill>
               </a14:hiddenFill>
             </a:ext>
             <a:ext uri="{91240B29-F687-4F45-9708-019B960494DF}">
-              <a14:hiddenLine xmlns:a14="http://schemas.microsoft.com/office/drawing/2010/main" w="9525">
+              <a14:hiddenLine xmlns:a14="http://schemas.microsoft.com/office/drawing/2010/main" xmlns="" w="9525">
                 <a:solidFill>
                   <a:srgbClr val="000000"/>
                 </a:solidFill>
@@ -4497,7 +4499,7 @@
     </p:spTree>
     <p:extLst>
       <p:ext uri="{BB962C8B-B14F-4D97-AF65-F5344CB8AC3E}">
-        <p14:creationId xmlns:p14="http://schemas.microsoft.com/office/powerpoint/2010/main" val="3499489707"/>
+        <p14:creationId xmlns:p14="http://schemas.microsoft.com/office/powerpoint/2010/main" xmlns="" val="3499489707"/>
       </p:ext>
     </p:extLst>
   </p:cSld>
@@ -4582,10 +4584,10 @@
           <p:nvPr/>
         </p:nvPicPr>
         <p:blipFill>
-          <a:blip r:embed="rId2">
+          <a:blip r:embed="rId2" cstate="print">
             <a:extLst>
               <a:ext uri="{28A0092B-C50C-407E-A947-70E740481C1C}">
-                <a14:useLocalDpi xmlns:a14="http://schemas.microsoft.com/office/drawing/2010/main" val="0"/>
+                <a14:useLocalDpi xmlns:a14="http://schemas.microsoft.com/office/drawing/2010/main" xmlns="" val="0"/>
               </a:ext>
             </a:extLst>
           </a:blip>
@@ -4608,14 +4610,14 @@
           </a:ln>
           <a:extLst>
             <a:ext uri="{909E8E84-426E-40DD-AFC4-6F175D3DCCD1}">
-              <a14:hiddenFill xmlns:a14="http://schemas.microsoft.com/office/drawing/2010/main">
+              <a14:hiddenFill xmlns:a14="http://schemas.microsoft.com/office/drawing/2010/main" xmlns="">
                 <a:solidFill>
                   <a:srgbClr val="FFFFFF"/>
                 </a:solidFill>
               </a14:hiddenFill>
             </a:ext>
             <a:ext uri="{91240B29-F687-4F45-9708-019B960494DF}">
-              <a14:hiddenLine xmlns:a14="http://schemas.microsoft.com/office/drawing/2010/main" w="9525">
+              <a14:hiddenLine xmlns:a14="http://schemas.microsoft.com/office/drawing/2010/main" xmlns="" w="9525">
                 <a:solidFill>
                   <a:srgbClr val="000000"/>
                 </a:solidFill>
@@ -4630,7 +4632,7 @@
     </p:spTree>
     <p:extLst>
       <p:ext uri="{BB962C8B-B14F-4D97-AF65-F5344CB8AC3E}">
-        <p14:creationId xmlns:p14="http://schemas.microsoft.com/office/powerpoint/2010/main" val="2497604070"/>
+        <p14:creationId xmlns:p14="http://schemas.microsoft.com/office/powerpoint/2010/main" xmlns="" val="2497604070"/>
       </p:ext>
     </p:extLst>
   </p:cSld>
@@ -4715,10 +4717,10 @@
           <p:nvPr/>
         </p:nvPicPr>
         <p:blipFill>
-          <a:blip r:embed="rId2">
+          <a:blip r:embed="rId2" cstate="print">
             <a:extLst>
               <a:ext uri="{28A0092B-C50C-407E-A947-70E740481C1C}">
-                <a14:useLocalDpi xmlns:a14="http://schemas.microsoft.com/office/drawing/2010/main" val="0"/>
+                <a14:useLocalDpi xmlns:a14="http://schemas.microsoft.com/office/drawing/2010/main" xmlns="" val="0"/>
               </a:ext>
             </a:extLst>
           </a:blip>
@@ -4741,14 +4743,14 @@
           </a:ln>
           <a:extLst>
             <a:ext uri="{909E8E84-426E-40DD-AFC4-6F175D3DCCD1}">
-              <a14:hiddenFill xmlns:a14="http://schemas.microsoft.com/office/drawing/2010/main">
+              <a14:hiddenFill xmlns:a14="http://schemas.microsoft.com/office/drawing/2010/main" xmlns="">
                 <a:solidFill>
                   <a:srgbClr val="FFFFFF"/>
                 </a:solidFill>
               </a14:hiddenFill>
             </a:ext>
             <a:ext uri="{91240B29-F687-4F45-9708-019B960494DF}">
-              <a14:hiddenLine xmlns:a14="http://schemas.microsoft.com/office/drawing/2010/main" w="9525">
+              <a14:hiddenLine xmlns:a14="http://schemas.microsoft.com/office/drawing/2010/main" xmlns="" w="9525">
                 <a:solidFill>
                   <a:srgbClr val="000000"/>
                 </a:solidFill>
@@ -4763,7 +4765,7 @@
     </p:spTree>
     <p:extLst>
       <p:ext uri="{BB962C8B-B14F-4D97-AF65-F5344CB8AC3E}">
-        <p14:creationId xmlns:p14="http://schemas.microsoft.com/office/powerpoint/2010/main" val="108839615"/>
+        <p14:creationId xmlns:p14="http://schemas.microsoft.com/office/powerpoint/2010/main" xmlns="" val="108839615"/>
       </p:ext>
     </p:extLst>
   </p:cSld>
@@ -4848,10 +4850,10 @@
           <p:nvPr/>
         </p:nvPicPr>
         <p:blipFill>
-          <a:blip r:embed="rId2">
+          <a:blip r:embed="rId2" cstate="print">
             <a:extLst>
               <a:ext uri="{28A0092B-C50C-407E-A947-70E740481C1C}">
-                <a14:useLocalDpi xmlns:a14="http://schemas.microsoft.com/office/drawing/2010/main" val="0"/>
+                <a14:useLocalDpi xmlns:a14="http://schemas.microsoft.com/office/drawing/2010/main" xmlns="" val="0"/>
               </a:ext>
             </a:extLst>
           </a:blip>
@@ -4874,14 +4876,14 @@
           </a:ln>
           <a:extLst>
             <a:ext uri="{909E8E84-426E-40DD-AFC4-6F175D3DCCD1}">
-              <a14:hiddenFill xmlns:a14="http://schemas.microsoft.com/office/drawing/2010/main">
+              <a14:hiddenFill xmlns:a14="http://schemas.microsoft.com/office/drawing/2010/main" xmlns="">
                 <a:solidFill>
                   <a:srgbClr val="FFFFFF"/>
                 </a:solidFill>
               </a14:hiddenFill>
             </a:ext>
             <a:ext uri="{91240B29-F687-4F45-9708-019B960494DF}">
-              <a14:hiddenLine xmlns:a14="http://schemas.microsoft.com/office/drawing/2010/main" w="9525">
+              <a14:hiddenLine xmlns:a14="http://schemas.microsoft.com/office/drawing/2010/main" xmlns="" w="9525">
                 <a:solidFill>
                   <a:srgbClr val="000000"/>
                 </a:solidFill>
@@ -4896,7 +4898,7 @@
     </p:spTree>
     <p:extLst>
       <p:ext uri="{BB962C8B-B14F-4D97-AF65-F5344CB8AC3E}">
-        <p14:creationId xmlns:p14="http://schemas.microsoft.com/office/powerpoint/2010/main" val="235581479"/>
+        <p14:creationId xmlns:p14="http://schemas.microsoft.com/office/powerpoint/2010/main" xmlns="" val="235581479"/>
       </p:ext>
     </p:extLst>
   </p:cSld>
@@ -4975,62 +4977,32 @@
       </p:sp>
       <p:pic>
         <p:nvPicPr>
-          <p:cNvPr id="16386" name="Picture 2" descr="Mer 13_06"/>
+          <p:cNvPr id="5" name="Imagem 4" descr="Mer 13_06.png"/>
           <p:cNvPicPr>
-            <a:picLocks noChangeAspect="1" noChangeArrowheads="1"/>
+            <a:picLocks noChangeAspect="1"/>
           </p:cNvPicPr>
           <p:nvPr/>
         </p:nvPicPr>
         <p:blipFill>
-          <a:blip r:embed="rId2">
-            <a:extLst>
-              <a:ext uri="{28A0092B-C50C-407E-A947-70E740481C1C}">
-                <a14:useLocalDpi xmlns:a14="http://schemas.microsoft.com/office/drawing/2010/main" val="0"/>
-              </a:ext>
-            </a:extLst>
-          </a:blip>
-          <a:srcRect/>
+          <a:blip r:embed="rId2" cstate="print"/>
           <a:stretch>
             <a:fillRect/>
           </a:stretch>
         </p:blipFill>
-        <p:spPr bwMode="auto">
+        <p:spPr>
           <a:xfrm>
-            <a:off x="54590" y="95534"/>
-            <a:ext cx="12074315" cy="6198301"/>
+            <a:off x="218363" y="286603"/>
+            <a:ext cx="11559655" cy="6032310"/>
           </a:xfrm>
           <a:prstGeom prst="rect">
             <a:avLst/>
           </a:prstGeom>
-          <a:noFill/>
-          <a:ln>
-            <a:noFill/>
-          </a:ln>
-          <a:extLst>
-            <a:ext uri="{909E8E84-426E-40DD-AFC4-6F175D3DCCD1}">
-              <a14:hiddenFill xmlns:a14="http://schemas.microsoft.com/office/drawing/2010/main">
-                <a:solidFill>
-                  <a:srgbClr val="FFFFFF"/>
-                </a:solidFill>
-              </a14:hiddenFill>
-            </a:ext>
-            <a:ext uri="{91240B29-F687-4F45-9708-019B960494DF}">
-              <a14:hiddenLine xmlns:a14="http://schemas.microsoft.com/office/drawing/2010/main" w="9525">
-                <a:solidFill>
-                  <a:srgbClr val="000000"/>
-                </a:solidFill>
-                <a:miter lim="800000"/>
-                <a:headEnd/>
-                <a:tailEnd/>
-              </a14:hiddenLine>
-            </a:ext>
-          </a:extLst>
         </p:spPr>
       </p:pic>
     </p:spTree>
     <p:extLst>
       <p:ext uri="{BB962C8B-B14F-4D97-AF65-F5344CB8AC3E}">
-        <p14:creationId xmlns:p14="http://schemas.microsoft.com/office/powerpoint/2010/main" val="1122524228"/>
+        <p14:creationId xmlns:p14="http://schemas.microsoft.com/office/powerpoint/2010/main" xmlns="" val="1122524228"/>
       </p:ext>
     </p:extLst>
   </p:cSld>
@@ -5117,10 +5089,10 @@
           <p:nvPr/>
         </p:nvPicPr>
         <p:blipFill>
-          <a:blip r:embed="rId2">
+          <a:blip r:embed="rId2" cstate="print">
             <a:extLst>
               <a:ext uri="{28A0092B-C50C-407E-A947-70E740481C1C}">
-                <a14:useLocalDpi xmlns:a14="http://schemas.microsoft.com/office/drawing/2010/main" val="0"/>
+                <a14:useLocalDpi xmlns:a14="http://schemas.microsoft.com/office/drawing/2010/main" xmlns="" val="0"/>
               </a:ext>
             </a:extLst>
           </a:blip>
@@ -5141,7 +5113,7 @@
     </p:spTree>
     <p:extLst>
       <p:ext uri="{BB962C8B-B14F-4D97-AF65-F5344CB8AC3E}">
-        <p14:creationId xmlns:p14="http://schemas.microsoft.com/office/powerpoint/2010/main" val="2096731175"/>
+        <p14:creationId xmlns:p14="http://schemas.microsoft.com/office/powerpoint/2010/main" xmlns="" val="2096731175"/>
       </p:ext>
     </p:extLst>
   </p:cSld>
@@ -5754,7 +5726,7 @@
     </p:spTree>
     <p:extLst>
       <p:ext uri="{BB962C8B-B14F-4D97-AF65-F5344CB8AC3E}">
-        <p14:creationId xmlns:p14="http://schemas.microsoft.com/office/powerpoint/2010/main" val="2257182209"/>
+        <p14:creationId xmlns:p14="http://schemas.microsoft.com/office/powerpoint/2010/main" xmlns="" val="2257182209"/>
       </p:ext>
     </p:extLst>
   </p:cSld>
@@ -5805,10 +5777,10 @@
           <p:nvPr/>
         </p:nvPicPr>
         <p:blipFill>
-          <a:blip r:embed="rId2">
+          <a:blip r:embed="rId2" cstate="print">
             <a:extLst>
               <a:ext uri="{28A0092B-C50C-407E-A947-70E740481C1C}">
-                <a14:useLocalDpi xmlns:a14="http://schemas.microsoft.com/office/drawing/2010/main" val="0"/>
+                <a14:useLocalDpi xmlns:a14="http://schemas.microsoft.com/office/drawing/2010/main" xmlns="" val="0"/>
               </a:ext>
             </a:extLst>
           </a:blip>
@@ -5857,7 +5829,7 @@
     </p:spTree>
     <p:extLst>
       <p:ext uri="{BB962C8B-B14F-4D97-AF65-F5344CB8AC3E}">
-        <p14:creationId xmlns:p14="http://schemas.microsoft.com/office/powerpoint/2010/main" val="491756562"/>
+        <p14:creationId xmlns:p14="http://schemas.microsoft.com/office/powerpoint/2010/main" xmlns="" val="491756562"/>
       </p:ext>
     </p:extLst>
   </p:cSld>
@@ -5973,19 +5945,7 @@
                 <a:latin typeface="Segoe UI Light" panose="020B0502040204020203" pitchFamily="34" charset="0"/>
                 <a:cs typeface="Segoe UI Light" panose="020B0502040204020203" pitchFamily="34" charset="0"/>
               </a:rPr>
-              <a:t>Motivação e Cliente </a:t>
-            </a:r>
-            <a:r>
-              <a:rPr lang="pt-BR" sz="3600" dirty="0" smtClean="0">
-                <a:solidFill>
-                  <a:schemeClr val="bg1">
-                    <a:lumMod val="95000"/>
-                  </a:schemeClr>
-                </a:solidFill>
-                <a:latin typeface="Segoe UI Light" panose="020B0502040204020203" pitchFamily="34" charset="0"/>
-                <a:cs typeface="Segoe UI Light" panose="020B0502040204020203" pitchFamily="34" charset="0"/>
-              </a:rPr>
-              <a:t>em Potencial</a:t>
+              <a:t>Motivação e Cliente em Potencial</a:t>
             </a:r>
             <a:endParaRPr lang="pt-BR" sz="3600" dirty="0">
               <a:solidFill>
@@ -6022,15 +5982,6 @@
               </a:rPr>
               <a:t>Atual</a:t>
             </a:r>
-            <a:endParaRPr lang="pt-BR" sz="3600" dirty="0" smtClean="0">
-              <a:solidFill>
-                <a:schemeClr val="bg1">
-                  <a:lumMod val="95000"/>
-                </a:schemeClr>
-              </a:solidFill>
-              <a:latin typeface="Segoe UI Light" panose="020B0502040204020203" pitchFamily="34" charset="0"/>
-              <a:cs typeface="Segoe UI Light" panose="020B0502040204020203" pitchFamily="34" charset="0"/>
-            </a:endParaRPr>
           </a:p>
           <a:p>
             <a:r>
@@ -6043,29 +5994,8 @@
                 <a:latin typeface="Segoe UI Light" panose="020B0502040204020203" pitchFamily="34" charset="0"/>
                 <a:cs typeface="Segoe UI Light" panose="020B0502040204020203" pitchFamily="34" charset="0"/>
               </a:rPr>
-              <a:t>Planejamento do </a:t>
-            </a:r>
-            <a:r>
-              <a:rPr lang="pt-BR" sz="3600" dirty="0" smtClean="0">
-                <a:solidFill>
-                  <a:schemeClr val="bg1">
-                    <a:lumMod val="95000"/>
-                  </a:schemeClr>
-                </a:solidFill>
-                <a:latin typeface="Segoe UI Light" panose="020B0502040204020203" pitchFamily="34" charset="0"/>
-                <a:cs typeface="Segoe UI Light" panose="020B0502040204020203" pitchFamily="34" charset="0"/>
-              </a:rPr>
-              <a:t>Projeto</a:t>
-            </a:r>
-            <a:endParaRPr lang="pt-BR" sz="3600" dirty="0" smtClean="0">
-              <a:solidFill>
-                <a:schemeClr val="bg1">
-                  <a:lumMod val="95000"/>
-                </a:schemeClr>
-              </a:solidFill>
-              <a:latin typeface="Segoe UI Light" panose="020B0502040204020203" pitchFamily="34" charset="0"/>
-              <a:cs typeface="Segoe UI Light" panose="020B0502040204020203" pitchFamily="34" charset="0"/>
-            </a:endParaRPr>
+              <a:t>Planejamento do Projeto</a:t>
+            </a:r>
           </a:p>
           <a:p>
             <a:r>
@@ -6175,10 +6105,10 @@
           <p:nvPr/>
         </p:nvPicPr>
         <p:blipFill>
-          <a:blip r:embed="rId2">
+          <a:blip r:embed="rId2" cstate="print">
             <a:extLst>
               <a:ext uri="{28A0092B-C50C-407E-A947-70E740481C1C}">
-                <a14:useLocalDpi xmlns:a14="http://schemas.microsoft.com/office/drawing/2010/main" val="0"/>
+                <a14:useLocalDpi xmlns:a14="http://schemas.microsoft.com/office/drawing/2010/main" xmlns="" val="0"/>
               </a:ext>
             </a:extLst>
           </a:blip>
@@ -6199,7 +6129,7 @@
     </p:spTree>
     <p:extLst>
       <p:ext uri="{BB962C8B-B14F-4D97-AF65-F5344CB8AC3E}">
-        <p14:creationId xmlns:p14="http://schemas.microsoft.com/office/powerpoint/2010/main" val="1811062007"/>
+        <p14:creationId xmlns:p14="http://schemas.microsoft.com/office/powerpoint/2010/main" xmlns="" val="1811062007"/>
       </p:ext>
     </p:extLst>
   </p:cSld>
@@ -6335,7 +6265,6 @@
               <a:rPr lang="pt-BR" sz="8000" dirty="0"/>
               <a:t>Motivação e Cliente </a:t>
             </a:r>
-            <a:endParaRPr lang="pt-BR" sz="8000" dirty="0"/>
           </a:p>
         </p:txBody>
       </p:sp>
@@ -6351,7 +6280,7 @@
           <a:blip r:embed="rId2" cstate="print">
             <a:extLst>
               <a:ext uri="{28A0092B-C50C-407E-A947-70E740481C1C}">
-                <a14:useLocalDpi xmlns:a14="http://schemas.microsoft.com/office/drawing/2010/main" val="0"/>
+                <a14:useLocalDpi xmlns:a14="http://schemas.microsoft.com/office/drawing/2010/main" xmlns="" val="0"/>
               </a:ext>
             </a:extLst>
           </a:blip>
@@ -6652,7 +6581,7 @@
     </p:spTree>
     <p:extLst>
       <p:ext uri="{BB962C8B-B14F-4D97-AF65-F5344CB8AC3E}">
-        <p14:creationId xmlns:p14="http://schemas.microsoft.com/office/powerpoint/2010/main" val="3982309465"/>
+        <p14:creationId xmlns:p14="http://schemas.microsoft.com/office/powerpoint/2010/main" xmlns="" val="3982309465"/>
       </p:ext>
     </p:extLst>
   </p:cSld>
@@ -6732,10 +6661,10 @@
           <p:nvPr/>
         </p:nvPicPr>
         <p:blipFill>
-          <a:blip r:embed="rId2">
+          <a:blip r:embed="rId2" cstate="print">
             <a:extLst>
               <a:ext uri="{28A0092B-C50C-407E-A947-70E740481C1C}">
-                <a14:useLocalDpi xmlns:a14="http://schemas.microsoft.com/office/drawing/2010/main" val="0"/>
+                <a14:useLocalDpi xmlns:a14="http://schemas.microsoft.com/office/drawing/2010/main" xmlns="" val="0"/>
               </a:ext>
             </a:extLst>
           </a:blip>
@@ -6850,7 +6779,7 @@
     </p:spTree>
     <p:extLst>
       <p:ext uri="{BB962C8B-B14F-4D97-AF65-F5344CB8AC3E}">
-        <p14:creationId xmlns:p14="http://schemas.microsoft.com/office/powerpoint/2010/main" val="1105913028"/>
+        <p14:creationId xmlns:p14="http://schemas.microsoft.com/office/powerpoint/2010/main" xmlns="" val="1105913028"/>
       </p:ext>
     </p:extLst>
   </p:cSld>
@@ -7316,7 +7245,7 @@
     </p:spTree>
     <p:extLst>
       <p:ext uri="{BB962C8B-B14F-4D97-AF65-F5344CB8AC3E}">
-        <p14:creationId xmlns:p14="http://schemas.microsoft.com/office/powerpoint/2010/main" val="4124603254"/>
+        <p14:creationId xmlns:p14="http://schemas.microsoft.com/office/powerpoint/2010/main" xmlns="" val="4124603254"/>
       </p:ext>
     </p:extLst>
   </p:cSld>
@@ -7397,7 +7326,7 @@
             <p:ph sz="half" idx="1"/>
             <p:extLst>
               <p:ext uri="{D42A27DB-BD31-4B8C-83A1-F6EECF244321}">
-                <p14:modId xmlns:p14="http://schemas.microsoft.com/office/powerpoint/2010/main" val="1619519291"/>
+                <p14:modId xmlns:p14="http://schemas.microsoft.com/office/powerpoint/2010/main" xmlns="" val="1619519291"/>
               </p:ext>
             </p:extLst>
           </p:nvPr>
@@ -8259,7 +8188,7 @@
     </p:spTree>
     <p:extLst>
       <p:ext uri="{BB962C8B-B14F-4D97-AF65-F5344CB8AC3E}">
-        <p14:creationId xmlns:p14="http://schemas.microsoft.com/office/powerpoint/2010/main" val="3154564970"/>
+        <p14:creationId xmlns:p14="http://schemas.microsoft.com/office/powerpoint/2010/main" xmlns="" val="3154564970"/>
       </p:ext>
     </p:extLst>
   </p:cSld>
@@ -8370,7 +8299,7 @@
             <p:ph sz="half" idx="1"/>
             <p:extLst>
               <p:ext uri="{D42A27DB-BD31-4B8C-83A1-F6EECF244321}">
-                <p14:modId xmlns:p14="http://schemas.microsoft.com/office/powerpoint/2010/main" val="66790954"/>
+                <p14:modId xmlns:p14="http://schemas.microsoft.com/office/powerpoint/2010/main" xmlns="" val="66790954"/>
               </p:ext>
             </p:extLst>
           </p:nvPr>
@@ -9002,7 +8931,7 @@
           <p:nvPr>
             <p:extLst>
               <p:ext uri="{D42A27DB-BD31-4B8C-83A1-F6EECF244321}">
-                <p14:modId xmlns:p14="http://schemas.microsoft.com/office/powerpoint/2010/main" val="1042437776"/>
+                <p14:modId xmlns:p14="http://schemas.microsoft.com/office/powerpoint/2010/main" xmlns="" val="1042437776"/>
               </p:ext>
             </p:extLst>
           </p:nvPr>
@@ -9362,7 +9291,7 @@
     </p:spTree>
     <p:extLst>
       <p:ext uri="{BB962C8B-B14F-4D97-AF65-F5344CB8AC3E}">
-        <p14:creationId xmlns:p14="http://schemas.microsoft.com/office/powerpoint/2010/main" val="1141643128"/>
+        <p14:creationId xmlns:p14="http://schemas.microsoft.com/office/powerpoint/2010/main" xmlns="" val="1141643128"/>
       </p:ext>
     </p:extLst>
   </p:cSld>
@@ -9574,7 +9503,7 @@
   <a:extraClrSchemeLst/>
   <a:extLst>
     <a:ext uri="{05A4C25C-085E-4340-85A3-A5531E510DB2}">
-      <thm15:themeFamily xmlns="" xmlns:thm15="http://schemas.microsoft.com/office/thememl/2012/main" name="Office Theme" id="{62F939B6-93AF-4DB8-9C6B-D6C7DFDC589F}" vid="{4A3C46E8-61CC-4603-A589-7422A47A8E4A}"/>
+      <thm15:themeFamily xmlns:thm15="http://schemas.microsoft.com/office/thememl/2012/main" xmlns="" name="Office Theme" id="{62F939B6-93AF-4DB8-9C6B-D6C7DFDC589F}" vid="{4A3C46E8-61CC-4603-A589-7422A47A8E4A}"/>
     </a:ext>
   </a:extLst>
 </a:theme>
@@ -9835,7 +9764,7 @@
   <a:extraClrSchemeLst/>
   <a:extLst>
     <a:ext uri="{05A4C25C-085E-4340-85A3-A5531E510DB2}">
-      <thm15:themeFamily xmlns="" xmlns:thm15="http://schemas.microsoft.com/office/thememl/2012/main" name="Office Theme" id="{62F939B6-93AF-4DB8-9C6B-D6C7DFDC589F}" vid="{4A3C46E8-61CC-4603-A589-7422A47A8E4A}"/>
+      <thm15:themeFamily xmlns:thm15="http://schemas.microsoft.com/office/thememl/2012/main" xmlns="" name="Office Theme" id="{62F939B6-93AF-4DB8-9C6B-D6C7DFDC589F}" vid="{4A3C46E8-61CC-4603-A589-7422A47A8E4A}"/>
     </a:ext>
   </a:extLst>
 </a:theme>
